--- a/Lectures/12 Infrastructure and Big Data.pptx
+++ b/Lectures/12 Infrastructure and Big Data.pptx
@@ -250,7 +250,7 @@
           <a:p>
             <a:fld id="{D3AAB66F-B1B7-D045-B4E8-4F60236F228D}" type="datetimeFigureOut">
               <a:rPr lang="en-US" smtClean="0"/>
-              <a:t>3/22/14</a:t>
+              <a:t>3/25/14</a:t>
             </a:fld>
             <a:endParaRPr lang="en-US"/>
           </a:p>
@@ -416,7 +416,7 @@
           <a:p>
             <a:fld id="{BCCF8E76-06A6-164E-A6FA-EC32C13EB232}" type="datetimeFigureOut">
               <a:rPr lang="en-US" smtClean="0"/>
-              <a:t>3/22/14</a:t>
+              <a:t>3/25/14</a:t>
             </a:fld>
             <a:endParaRPr lang="en-US"/>
           </a:p>
@@ -1134,10 +1134,50 @@
             </a:pPr>
             <a:r>
               <a:rPr lang="en-US" dirty="0" smtClean="0"/>
-              <a:t>‘kick the duck’ (simulated annealing) ; damped over time – simulated annealing</a:t>
-            </a:r>
-          </a:p>
-          <a:p>
+              <a:t>‘kick the duck’ (simulated annealing) ; damped over time – simulated annealing if you have a non-</a:t>
+            </a:r>
+            <a:r>
+              <a:rPr lang="en-US" smtClean="0"/>
+              <a:t>convex</a:t>
+            </a:r>
+            <a:r>
+              <a:rPr lang="en-US" baseline="0" smtClean="0"/>
+              <a:t> function</a:t>
+            </a:r>
+          </a:p>
+          <a:p>
+            <a:pPr marL="0" marR="0" lvl="1" indent="0" algn="l" defTabSz="457200" rtl="0" eaLnBrk="1" fontAlgn="auto" latinLnBrk="0" hangingPunct="1">
+              <a:lnSpc>
+                <a:spcPct val="100000"/>
+              </a:lnSpc>
+              <a:spcBef>
+                <a:spcPts val="0"/>
+              </a:spcBef>
+              <a:spcAft>
+                <a:spcPts val="0"/>
+              </a:spcAft>
+              <a:buClrTx/>
+              <a:buSzTx/>
+              <a:buFontTx/>
+              <a:buNone/>
+              <a:tabLst/>
+              <a:defRPr/>
+            </a:pPr>
+            <a:endParaRPr lang="en-US" dirty="0" smtClean="0"/>
+          </a:p>
+          <a:p>
+            <a:r>
+              <a:rPr lang="en-US" dirty="0" smtClean="0"/>
+              <a:t>http://</a:t>
+            </a:r>
+            <a:r>
+              <a:rPr lang="en-US" dirty="0" err="1" smtClean="0"/>
+              <a:t>www.quora.com</a:t>
+            </a:r>
+            <a:r>
+              <a:rPr lang="en-US" dirty="0" smtClean="0"/>
+              <a:t>/Convex-Optimization/Why-is-Convex-Optimization-such-a-big-deal-in-Machine-Learning</a:t>
+            </a:r>
             <a:endParaRPr lang="en-US" dirty="0"/>
           </a:p>
         </p:txBody>
@@ -2750,7 +2790,7 @@
             <a:fld id="{FA3C144B-2939-9A49-B014-915EC3E81866}" type="datetime1">
               <a:rPr lang="en-US" smtClean="0"/>
               <a:pPr/>
-              <a:t>3/22/14</a:t>
+              <a:t>3/25/14</a:t>
             </a:fld>
             <a:endParaRPr lang="en-US" dirty="0"/>
           </a:p>
@@ -3179,7 +3219,7 @@
           <a:p>
             <a:fld id="{76838339-A875-5E45-AB3F-AAABD270346A}" type="datetime1">
               <a:rPr lang="en-US" smtClean="0"/>
-              <a:t>3/22/14</a:t>
+              <a:t>3/25/14</a:t>
             </a:fld>
             <a:endParaRPr lang="en-US"/>
           </a:p>
@@ -3465,7 +3505,7 @@
             <a:fld id="{FA3C144B-2939-9A49-B014-915EC3E81866}" type="datetime1">
               <a:rPr lang="en-US" smtClean="0"/>
               <a:pPr/>
-              <a:t>3/22/14</a:t>
+              <a:t>3/25/14</a:t>
             </a:fld>
             <a:endParaRPr lang="en-US" dirty="0"/>
           </a:p>
@@ -3947,7 +3987,7 @@
           <a:p>
             <a:fld id="{A73F672F-A5FB-5745-934A-1BF51CA5539C}" type="datetime1">
               <a:rPr lang="en-US" smtClean="0"/>
-              <a:t>3/22/14</a:t>
+              <a:t>3/25/14</a:t>
             </a:fld>
             <a:endParaRPr lang="en-US"/>
           </a:p>
@@ -4289,7 +4329,7 @@
             <a:fld id="{FA3C144B-2939-9A49-B014-915EC3E81866}" type="datetime1">
               <a:rPr lang="en-US" smtClean="0"/>
               <a:pPr/>
-              <a:t>3/22/14</a:t>
+              <a:t>3/25/14</a:t>
             </a:fld>
             <a:endParaRPr lang="en-US" dirty="0"/>
           </a:p>
@@ -4753,7 +4793,7 @@
           <a:p>
             <a:fld id="{6AFE6A63-5EBE-3E48-B0AE-DF655A1ECE76}" type="datetime1">
               <a:rPr lang="en-US" smtClean="0"/>
-              <a:t>3/22/14</a:t>
+              <a:t>3/25/14</a:t>
             </a:fld>
             <a:endParaRPr lang="en-US"/>
           </a:p>
@@ -5072,7 +5112,7 @@
           <a:p>
             <a:fld id="{4A019F0C-9D18-B54A-9AC9-18AA74EDB034}" type="datetime1">
               <a:rPr lang="en-US" smtClean="0"/>
-              <a:t>3/22/14</a:t>
+              <a:t>3/25/14</a:t>
             </a:fld>
             <a:endParaRPr lang="en-US"/>
           </a:p>
@@ -5382,7 +5422,7 @@
             <a:fld id="{FA3C144B-2939-9A49-B014-915EC3E81866}" type="datetime1">
               <a:rPr lang="en-US" smtClean="0"/>
               <a:pPr/>
-              <a:t>3/22/14</a:t>
+              <a:t>3/25/14</a:t>
             </a:fld>
             <a:endParaRPr lang="en-US" dirty="0"/>
           </a:p>
@@ -5645,7 +5685,7 @@
           <a:p>
             <a:fld id="{FA3C144B-2939-9A49-B014-915EC3E81866}" type="datetime1">
               <a:rPr lang="en-US" smtClean="0"/>
-              <a:t>3/22/14</a:t>
+              <a:t>3/25/14</a:t>
             </a:fld>
             <a:endParaRPr lang="en-US" dirty="0"/>
           </a:p>
@@ -6140,7 +6180,7 @@
           <a:p>
             <a:fld id="{7053BEFA-1175-F644-B249-7D41D72BD3FF}" type="datetime1">
               <a:rPr lang="en-US" smtClean="0"/>
-              <a:t>3/22/14</a:t>
+              <a:t>3/25/14</a:t>
             </a:fld>
             <a:endParaRPr lang="en-US"/>
           </a:p>
@@ -6259,7 +6299,7 @@
             <a:fld id="{FA3C144B-2939-9A49-B014-915EC3E81866}" type="datetime1">
               <a:rPr lang="en-US" smtClean="0"/>
               <a:pPr/>
-              <a:t>3/22/14</a:t>
+              <a:t>3/25/14</a:t>
             </a:fld>
             <a:endParaRPr lang="en-US" dirty="0"/>
           </a:p>
@@ -6476,7 +6516,7 @@
             <a:fld id="{FA3C144B-2939-9A49-B014-915EC3E81866}" type="datetime1">
               <a:rPr lang="en-US" smtClean="0"/>
               <a:pPr/>
-              <a:t>3/22/14</a:t>
+              <a:t>3/25/14</a:t>
             </a:fld>
             <a:endParaRPr lang="en-US" dirty="0"/>
           </a:p>
@@ -6721,7 +6761,7 @@
             <a:fld id="{FA3C144B-2939-9A49-B014-915EC3E81866}" type="datetime1">
               <a:rPr lang="en-US" smtClean="0"/>
               <a:pPr/>
-              <a:t>3/22/14</a:t>
+              <a:t>3/25/14</a:t>
             </a:fld>
             <a:endParaRPr lang="en-US" dirty="0"/>
           </a:p>
@@ -7099,7 +7139,7 @@
           <a:p>
             <a:fld id="{111EEF3B-ABF2-AA4E-9E24-0C6256942674}" type="datetime1">
               <a:rPr lang="en-US" smtClean="0"/>
-              <a:t>3/22/14</a:t>
+              <a:t>3/25/14</a:t>
             </a:fld>
             <a:endParaRPr lang="en-US"/>
           </a:p>
@@ -7263,7 +7303,7 @@
             <a:fld id="{FA3C144B-2939-9A49-B014-915EC3E81866}" type="datetime1">
               <a:rPr lang="en-US" smtClean="0"/>
               <a:pPr/>
-              <a:t>3/22/14</a:t>
+              <a:t>3/25/14</a:t>
             </a:fld>
             <a:endParaRPr lang="en-US" dirty="0"/>
           </a:p>
@@ -7680,7 +7720,7 @@
             <a:fld id="{FA3C144B-2939-9A49-B014-915EC3E81866}" type="datetime1">
               <a:rPr lang="en-US" smtClean="0"/>
               <a:pPr/>
-              <a:t>3/22/14</a:t>
+              <a:t>3/25/14</a:t>
             </a:fld>
             <a:endParaRPr lang="en-US" dirty="0"/>
           </a:p>
@@ -7996,7 +8036,7 @@
             <a:fld id="{FA3C144B-2939-9A49-B014-915EC3E81866}" type="datetime1">
               <a:rPr lang="en-US" smtClean="0"/>
               <a:pPr/>
-              <a:t>3/22/14</a:t>
+              <a:t>3/25/14</a:t>
             </a:fld>
             <a:endParaRPr lang="en-US" dirty="0"/>
           </a:p>
@@ -8662,7 +8702,7 @@
             <a:fld id="{FA3C144B-2939-9A49-B014-915EC3E81866}" type="datetime1">
               <a:rPr lang="en-US" smtClean="0"/>
               <a:pPr/>
-              <a:t>3/22/14</a:t>
+              <a:t>3/25/14</a:t>
             </a:fld>
             <a:endParaRPr lang="en-US" dirty="0"/>
           </a:p>
@@ -9449,11 +9489,7 @@
           <a:p>
             <a:r>
               <a:rPr lang="en-US" dirty="0" smtClean="0"/>
-              <a:t>The Data Pipeline; HCII; Spring </a:t>
-            </a:r>
-            <a:r>
-              <a:rPr lang="en-US" dirty="0" smtClean="0"/>
-              <a:t>2014</a:t>
+              <a:t>The Data Pipeline; HCII; Spring 2014</a:t>
             </a:r>
             <a:endParaRPr lang="en-US" dirty="0"/>
           </a:p>
@@ -9844,7 +9880,7 @@
           <a:p>
             <a:fld id="{7053BEFA-1175-F644-B249-7D41D72BD3FF}" type="datetime1">
               <a:rPr lang="en-US" smtClean="0"/>
-              <a:t>3/22/14</a:t>
+              <a:t>3/25/14</a:t>
             </a:fld>
             <a:endParaRPr lang="en-US"/>
           </a:p>
@@ -10014,7 +10050,7 @@
           <a:p>
             <a:fld id="{7053BEFA-1175-F644-B249-7D41D72BD3FF}" type="datetime1">
               <a:rPr lang="en-US" smtClean="0"/>
-              <a:t>3/22/14</a:t>
+              <a:t>3/25/14</a:t>
             </a:fld>
             <a:endParaRPr lang="en-US"/>
           </a:p>
@@ -10205,7 +10241,7 @@
           <a:p>
             <a:fld id="{7053BEFA-1175-F644-B249-7D41D72BD3FF}" type="datetime1">
               <a:rPr lang="en-US" smtClean="0"/>
-              <a:t>3/23/14</a:t>
+              <a:t>3/25/14</a:t>
             </a:fld>
             <a:endParaRPr lang="en-US"/>
           </a:p>
@@ -10432,7 +10468,7 @@
           <a:p>
             <a:fld id="{7053BEFA-1175-F644-B249-7D41D72BD3FF}" type="datetime1">
               <a:rPr lang="en-US" smtClean="0"/>
-              <a:t>3/23/14</a:t>
+              <a:t>3/25/14</a:t>
             </a:fld>
             <a:endParaRPr lang="en-US"/>
           </a:p>
@@ -10638,7 +10674,7 @@
           <a:p>
             <a:fld id="{7053BEFA-1175-F644-B249-7D41D72BD3FF}" type="datetime1">
               <a:rPr lang="en-US" smtClean="0"/>
-              <a:t>3/22/14</a:t>
+              <a:t>3/25/14</a:t>
             </a:fld>
             <a:endParaRPr lang="en-US"/>
           </a:p>
@@ -10855,7 +10891,7 @@
           <a:p>
             <a:fld id="{7053BEFA-1175-F644-B249-7D41D72BD3FF}" type="datetime1">
               <a:rPr lang="en-US" smtClean="0"/>
-              <a:t>3/23/14</a:t>
+              <a:t>3/25/14</a:t>
             </a:fld>
             <a:endParaRPr lang="en-US"/>
           </a:p>
@@ -11038,7 +11074,7 @@
           <a:p>
             <a:fld id="{7053BEFA-1175-F644-B249-7D41D72BD3FF}" type="datetime1">
               <a:rPr lang="en-US" smtClean="0"/>
-              <a:t>3/22/14</a:t>
+              <a:t>3/25/14</a:t>
             </a:fld>
             <a:endParaRPr lang="en-US"/>
           </a:p>
@@ -11199,7 +11235,7 @@
           <a:p>
             <a:fld id="{7053BEFA-1175-F644-B249-7D41D72BD3FF}" type="datetime1">
               <a:rPr lang="en-US" smtClean="0"/>
-              <a:t>3/23/14</a:t>
+              <a:t>3/25/14</a:t>
             </a:fld>
             <a:endParaRPr lang="en-US"/>
           </a:p>
@@ -11388,7 +11424,7 @@
           <a:p>
             <a:fld id="{7053BEFA-1175-F644-B249-7D41D72BD3FF}" type="datetime1">
               <a:rPr lang="en-US" smtClean="0"/>
-              <a:t>3/23/14</a:t>
+              <a:t>3/25/14</a:t>
             </a:fld>
             <a:endParaRPr lang="en-US"/>
           </a:p>
@@ -11546,7 +11582,7 @@
           <a:p>
             <a:fld id="{7053BEFA-1175-F644-B249-7D41D72BD3FF}" type="datetime1">
               <a:rPr lang="en-US" smtClean="0"/>
-              <a:t>3/22/14</a:t>
+              <a:t>3/25/14</a:t>
             </a:fld>
             <a:endParaRPr lang="en-US"/>
           </a:p>
@@ -11758,7 +11794,7 @@
           <a:p>
             <a:fld id="{7053BEFA-1175-F644-B249-7D41D72BD3FF}" type="datetime1">
               <a:rPr lang="en-US" smtClean="0"/>
-              <a:t>3/23/14</a:t>
+              <a:t>3/25/14</a:t>
             </a:fld>
             <a:endParaRPr lang="en-US"/>
           </a:p>
@@ -11984,7 +12020,7 @@
           <a:p>
             <a:fld id="{7053BEFA-1175-F644-B249-7D41D72BD3FF}" type="datetime1">
               <a:rPr lang="en-US" smtClean="0"/>
-              <a:t>3/23/14</a:t>
+              <a:t>3/25/14</a:t>
             </a:fld>
             <a:endParaRPr lang="en-US"/>
           </a:p>
@@ -12182,7 +12218,7 @@
           <a:p>
             <a:fld id="{7053BEFA-1175-F644-B249-7D41D72BD3FF}" type="datetime1">
               <a:rPr lang="en-US" smtClean="0"/>
-              <a:t>3/23/14</a:t>
+              <a:t>3/25/14</a:t>
             </a:fld>
             <a:endParaRPr lang="en-US"/>
           </a:p>
@@ -12356,7 +12392,7 @@
           <a:p>
             <a:fld id="{7053BEFA-1175-F644-B249-7D41D72BD3FF}" type="datetime1">
               <a:rPr lang="en-US" smtClean="0"/>
-              <a:t>3/22/14</a:t>
+              <a:t>3/25/14</a:t>
             </a:fld>
             <a:endParaRPr lang="en-US"/>
           </a:p>
@@ -12511,7 +12547,7 @@
           <a:p>
             <a:fld id="{7053BEFA-1175-F644-B249-7D41D72BD3FF}" type="datetime1">
               <a:rPr lang="en-US" smtClean="0"/>
-              <a:t>3/23/14</a:t>
+              <a:t>3/25/14</a:t>
             </a:fld>
             <a:endParaRPr lang="en-US"/>
           </a:p>
@@ -12724,7 +12760,7 @@
           <a:p>
             <a:fld id="{7053BEFA-1175-F644-B249-7D41D72BD3FF}" type="datetime1">
               <a:rPr lang="en-US" smtClean="0"/>
-              <a:t>3/23/14</a:t>
+              <a:t>3/25/14</a:t>
             </a:fld>
             <a:endParaRPr lang="en-US"/>
           </a:p>
@@ -12955,7 +12991,7 @@
           <a:p>
             <a:fld id="{7053BEFA-1175-F644-B249-7D41D72BD3FF}" type="datetime1">
               <a:rPr lang="en-US" smtClean="0"/>
-              <a:t>3/23/14</a:t>
+              <a:t>3/25/14</a:t>
             </a:fld>
             <a:endParaRPr lang="en-US"/>
           </a:p>
@@ -13173,7 +13209,7 @@
           <a:p>
             <a:fld id="{7053BEFA-1175-F644-B249-7D41D72BD3FF}" type="datetime1">
               <a:rPr lang="en-US" smtClean="0"/>
-              <a:t>3/23/14</a:t>
+              <a:t>3/25/14</a:t>
             </a:fld>
             <a:endParaRPr lang="en-US"/>
           </a:p>
@@ -13389,7 +13425,7 @@
           <a:p>
             <a:fld id="{7053BEFA-1175-F644-B249-7D41D72BD3FF}" type="datetime1">
               <a:rPr lang="en-US" smtClean="0"/>
-              <a:t>3/23/14</a:t>
+              <a:t>3/25/14</a:t>
             </a:fld>
             <a:endParaRPr lang="en-US"/>
           </a:p>
@@ -13585,7 +13621,7 @@
           <a:p>
             <a:fld id="{7053BEFA-1175-F644-B249-7D41D72BD3FF}" type="datetime1">
               <a:rPr lang="en-US" smtClean="0"/>
-              <a:t>3/23/14</a:t>
+              <a:t>3/25/14</a:t>
             </a:fld>
             <a:endParaRPr lang="en-US"/>
           </a:p>
@@ -13742,7 +13778,7 @@
           <a:p>
             <a:fld id="{7053BEFA-1175-F644-B249-7D41D72BD3FF}" type="datetime1">
               <a:rPr lang="en-US" smtClean="0"/>
-              <a:t>3/23/14</a:t>
+              <a:t>3/25/14</a:t>
             </a:fld>
             <a:endParaRPr lang="en-US"/>
           </a:p>
@@ -13912,7 +13948,7 @@
           <a:p>
             <a:fld id="{7053BEFA-1175-F644-B249-7D41D72BD3FF}" type="datetime1">
               <a:rPr lang="en-US" smtClean="0"/>
-              <a:t>3/23/14</a:t>
+              <a:t>3/25/14</a:t>
             </a:fld>
             <a:endParaRPr lang="en-US"/>
           </a:p>
@@ -14073,7 +14109,7 @@
           <a:p>
             <a:fld id="{7053BEFA-1175-F644-B249-7D41D72BD3FF}" type="datetime1">
               <a:rPr lang="en-US" smtClean="0"/>
-              <a:t>3/23/14</a:t>
+              <a:t>3/25/14</a:t>
             </a:fld>
             <a:endParaRPr lang="en-US"/>
           </a:p>
@@ -14274,7 +14310,7 @@
           <a:p>
             <a:fld id="{7053BEFA-1175-F644-B249-7D41D72BD3FF}" type="datetime1">
               <a:rPr lang="en-US" smtClean="0"/>
-              <a:t>3/23/14</a:t>
+              <a:t>3/25/14</a:t>
             </a:fld>
             <a:endParaRPr lang="en-US"/>
           </a:p>
@@ -14430,7 +14466,7 @@
           <a:p>
             <a:fld id="{7053BEFA-1175-F644-B249-7D41D72BD3FF}" type="datetime1">
               <a:rPr lang="en-US" smtClean="0"/>
-              <a:t>3/23/14</a:t>
+              <a:t>3/25/14</a:t>
             </a:fld>
             <a:endParaRPr lang="en-US"/>
           </a:p>
@@ -14624,7 +14660,7 @@
           <a:p>
             <a:fld id="{7053BEFA-1175-F644-B249-7D41D72BD3FF}" type="datetime1">
               <a:rPr lang="en-US" smtClean="0"/>
-              <a:t>3/23/14</a:t>
+              <a:t>3/25/14</a:t>
             </a:fld>
             <a:endParaRPr lang="en-US"/>
           </a:p>
@@ -14836,7 +14872,7 @@
           <a:p>
             <a:fld id="{7053BEFA-1175-F644-B249-7D41D72BD3FF}" type="datetime1">
               <a:rPr lang="en-US" smtClean="0"/>
-              <a:t>3/23/14</a:t>
+              <a:t>3/25/14</a:t>
             </a:fld>
             <a:endParaRPr lang="en-US"/>
           </a:p>
@@ -18404,7 +18440,7 @@
           <a:graphicData uri="http://schemas.openxmlformats.org/presentationml/2006/ole">
             <mc:AlternateContent xmlns:mc="http://schemas.openxmlformats.org/markup-compatibility/2006">
               <mc:Choice xmlns:v="urn:schemas-microsoft-com:vml" Requires="v">
-                <p:oleObj spid="_x0000_s684281" name="Equation" r:id="rId4" imgW="787400" imgH="215900" progId="Equation.3">
+                <p:oleObj spid="_x0000_s684286" name="Equation" r:id="rId4" imgW="787400" imgH="215900" progId="Equation.3">
                   <p:embed/>
                 </p:oleObj>
               </mc:Choice>
@@ -19403,7 +19439,7 @@
           <a:graphicData uri="http://schemas.openxmlformats.org/presentationml/2006/ole">
             <mc:AlternateContent xmlns:mc="http://schemas.openxmlformats.org/markup-compatibility/2006">
               <mc:Choice xmlns:v="urn:schemas-microsoft-com:vml" Requires="v">
-                <p:oleObj spid="_x0000_s684282" name="Equation" r:id="rId6" imgW="152400" imgH="215900" progId="Equation.3">
+                <p:oleObj spid="_x0000_s684287" name="Equation" r:id="rId6" imgW="152400" imgH="215900" progId="Equation.3">
                   <p:embed/>
                 </p:oleObj>
               </mc:Choice>
@@ -19652,11 +19688,7 @@
           <a:p>
             <a:r>
               <a:rPr lang="en-US" dirty="0" smtClean="0"/>
-              <a:t>Least Squares </a:t>
-            </a:r>
-            <a:r>
-              <a:rPr lang="en-US" dirty="0" smtClean="0"/>
-              <a:t>Regression</a:t>
+              <a:t>Least Squares Regression</a:t>
             </a:r>
             <a:endParaRPr lang="en-US" dirty="0"/>
           </a:p>
@@ -23246,7 +23278,7 @@
           <a:graphicData uri="http://schemas.openxmlformats.org/presentationml/2006/ole">
             <mc:AlternateContent xmlns:mc="http://schemas.openxmlformats.org/markup-compatibility/2006">
               <mc:Choice xmlns:v="urn:schemas-microsoft-com:vml" Requires="v">
-                <p:oleObj spid="_x0000_s1152" name="Equation" r:id="rId4" imgW="1054100" imgH="279400" progId="Equation.3">
+                <p:oleObj spid="_x0000_s1155" name="Equation" r:id="rId4" imgW="1054100" imgH="279400" progId="Equation.3">
                   <p:embed/>
                 </p:oleObj>
               </mc:Choice>
@@ -23772,7 +23804,7 @@
           <a:p>
             <a:fld id="{7053BEFA-1175-F644-B249-7D41D72BD3FF}" type="datetime1">
               <a:rPr lang="en-US" smtClean="0"/>
-              <a:t>3/23/14</a:t>
+              <a:t>3/25/14</a:t>
             </a:fld>
             <a:endParaRPr lang="en-US"/>
           </a:p>
@@ -23842,7 +23874,7 @@
           <a:graphicData uri="http://schemas.openxmlformats.org/presentationml/2006/ole">
             <mc:AlternateContent xmlns:mc="http://schemas.openxmlformats.org/markup-compatibility/2006">
               <mc:Choice xmlns:v="urn:schemas-microsoft-com:vml" Requires="v">
-                <p:oleObj spid="_x0000_s685167" name="Equation" r:id="rId3" imgW="114300" imgH="165100" progId="Equation.3">
+                <p:oleObj spid="_x0000_s685170" name="Equation" r:id="rId3" imgW="114300" imgH="165100" progId="Equation.3">
                   <p:embed/>
                 </p:oleObj>
               </mc:Choice>
@@ -24718,7 +24750,7 @@
           <a:p>
             <a:fld id="{7053BEFA-1175-F644-B249-7D41D72BD3FF}" type="datetime1">
               <a:rPr lang="en-US" smtClean="0"/>
-              <a:t>3/23/14</a:t>
+              <a:t>3/25/14</a:t>
             </a:fld>
             <a:endParaRPr lang="en-US"/>
           </a:p>
@@ -25814,26 +25846,13 @@
           <a:p>
             <a:r>
               <a:rPr lang="en-US" dirty="0" smtClean="0"/>
-              <a:t>Squeezes the real line into [0,1</a:t>
-            </a:r>
-            <a:r>
-              <a:rPr lang="en-US" dirty="0" smtClean="0"/>
-              <a:t>]</a:t>
-            </a:r>
-            <a:endParaRPr lang="en-US" dirty="0" smtClean="0"/>
-          </a:p>
-          <a:p>
-            <a:r>
-              <a:rPr lang="en-US" dirty="0" smtClean="0"/>
-              <a:t>Differentiable</a:t>
-            </a:r>
-            <a:r>
-              <a:rPr lang="en-US" dirty="0" smtClean="0"/>
-              <a:t>:   </a:t>
-            </a:r>
-            <a:r>
-              <a:rPr lang="en-US" dirty="0" smtClean="0"/>
-              <a:t>		</a:t>
+              <a:t>Squeezes the real line into [0,1]</a:t>
+            </a:r>
+          </a:p>
+          <a:p>
+            <a:r>
+              <a:rPr lang="en-US" dirty="0" smtClean="0"/>
+              <a:t>Differentiable:   		</a:t>
             </a:r>
             <a:r>
               <a:rPr lang="en-US" dirty="0"/>
@@ -25841,15 +25860,7 @@
             </a:r>
             <a:r>
               <a:rPr lang="en-US" dirty="0" smtClean="0"/>
-              <a:t>	</a:t>
-            </a:r>
-            <a:r>
-              <a:rPr lang="en-US" dirty="0" smtClean="0"/>
-              <a:t>     (</a:t>
-            </a:r>
-            <a:r>
-              <a:rPr lang="en-US" dirty="0" smtClean="0"/>
-              <a:t>nice exercise)  </a:t>
+              <a:t>	     (nice exercise)  </a:t>
             </a:r>
             <a:endParaRPr lang="en-US" dirty="0"/>
           </a:p>
@@ -25877,7 +25888,7 @@
           <a:graphicData uri="http://schemas.openxmlformats.org/presentationml/2006/ole">
             <mc:AlternateContent xmlns:mc="http://schemas.openxmlformats.org/markup-compatibility/2006">
               <mc:Choice xmlns:v="urn:schemas-microsoft-com:vml" Requires="v">
-                <p:oleObj spid="_x0000_s686295" name="Equation" r:id="rId4" imgW="889000" imgH="457200" progId="Equation.3">
+                <p:oleObj spid="_x0000_s686300" name="Equation" r:id="rId4" imgW="889000" imgH="457200" progId="Equation.3">
                   <p:embed/>
                 </p:oleObj>
               </mc:Choice>
@@ -25939,7 +25950,7 @@
           <a:graphicData uri="http://schemas.openxmlformats.org/presentationml/2006/ole">
             <mc:AlternateContent xmlns:mc="http://schemas.openxmlformats.org/markup-compatibility/2006">
               <mc:Choice xmlns:v="urn:schemas-microsoft-com:vml" Requires="v">
-                <p:oleObj spid="_x0000_s686296" name="Equation" r:id="rId6" imgW="886680" imgH="420480" progId="Equation.3">
+                <p:oleObj spid="_x0000_s686301" name="Equation" r:id="rId6" imgW="886680" imgH="420480" progId="Equation.3">
                   <p:embed/>
                 </p:oleObj>
               </mc:Choice>
@@ -26108,11 +26119,7 @@
             </a:r>
             <a:r>
               <a:rPr lang="en-US" dirty="0" smtClean="0"/>
-              <a:t> </a:t>
-            </a:r>
-            <a:r>
-              <a:rPr lang="en-US" dirty="0" smtClean="0"/>
-              <a:t>18.17. </a:t>
+              <a:t> 18.17. </a:t>
             </a:r>
             <a:r>
               <a:rPr lang="en-US" dirty="0"/>
@@ -26446,23 +26453,11 @@
             </a:r>
             <a:r>
               <a:rPr lang="en-US" b="1" dirty="0" smtClean="0"/>
-              <a:t>class </a:t>
-            </a:r>
-            <a:r>
-              <a:rPr lang="en-US" b="1" dirty="0" smtClean="0"/>
-              <a:t>odds  </a:t>
-            </a:r>
-            <a:r>
-              <a:rPr lang="en-US" dirty="0" smtClean="0"/>
-              <a:t>p</a:t>
-            </a:r>
-            <a:r>
-              <a:rPr lang="en-US" dirty="0" smtClean="0"/>
-              <a:t>+/(1-p+</a:t>
-            </a:r>
-            <a:r>
-              <a:rPr lang="en-US" dirty="0" smtClean="0"/>
-              <a:t>)</a:t>
+              <a:t>class odds  </a:t>
+            </a:r>
+            <a:r>
+              <a:rPr lang="en-US" dirty="0" smtClean="0"/>
+              <a:t>p+/(1-p+)</a:t>
             </a:r>
             <a:endParaRPr lang="en-US" b="1" dirty="0" smtClean="0"/>
           </a:p>
@@ -26472,15 +26467,7 @@
             </a:pPr>
             <a:r>
               <a:rPr lang="en-US" dirty="0" smtClean="0"/>
-              <a:t>Exercise: Show the following implication for the class odds</a:t>
-            </a:r>
-            <a:r>
-              <a:rPr lang="en-US" dirty="0" smtClean="0"/>
-              <a:t>: </a:t>
-            </a:r>
-            <a:r>
-              <a:rPr lang="en-US" dirty="0" smtClean="0"/>
-              <a:t/>
+              <a:t>Exercise: Show the following implication for the class odds: </a:t>
             </a:r>
             <a:br>
               <a:rPr lang="en-US" dirty="0" smtClean="0"/>
@@ -26506,15 +26493,7 @@
             </a:pPr>
             <a:r>
               <a:rPr lang="en-US" dirty="0" smtClean="0"/>
-              <a:t>Therefore </a:t>
-            </a:r>
-            <a:r>
-              <a:rPr lang="en-US" dirty="0" smtClean="0"/>
-              <a:t>			</a:t>
-            </a:r>
-            <a:r>
-              <a:rPr lang="en-US" dirty="0" smtClean="0"/>
-              <a:t>          the </a:t>
+              <a:t>Therefore 			          the </a:t>
             </a:r>
             <a:r>
               <a:rPr lang="en-US" b="1" dirty="0" smtClean="0"/>
@@ -26550,7 +26529,7 @@
           <a:graphicData uri="http://schemas.openxmlformats.org/presentationml/2006/ole">
             <mc:AlternateContent xmlns:mc="http://schemas.openxmlformats.org/markup-compatibility/2006">
               <mc:Choice xmlns:v="urn:schemas-microsoft-com:vml" Requires="v">
-                <p:oleObj spid="_x0000_s687301" name="Equation" r:id="rId4" imgW="2057400" imgH="469900" progId="Equation.3">
+                <p:oleObj spid="_x0000_s687306" name="Equation" r:id="rId4" imgW="2057400" imgH="469900" progId="Equation.3">
                   <p:embed/>
                 </p:oleObj>
               </mc:Choice>
@@ -26620,7 +26599,7 @@
           <a:graphicData uri="http://schemas.openxmlformats.org/presentationml/2006/ole">
             <mc:AlternateContent xmlns:mc="http://schemas.openxmlformats.org/markup-compatibility/2006">
               <mc:Choice xmlns:v="urn:schemas-microsoft-com:vml" Requires="v">
-                <p:oleObj spid="_x0000_s687302" name="Equation" r:id="rId6" imgW="978120" imgH="411120" progId="Equation.3">
+                <p:oleObj spid="_x0000_s687307" name="Equation" r:id="rId6" imgW="978120" imgH="411120" progId="Equation.3">
                   <p:embed/>
                 </p:oleObj>
               </mc:Choice>
@@ -26792,15 +26771,7 @@
             </a:pPr>
             <a:r>
               <a:rPr lang="en-US" dirty="0" smtClean="0"/>
-              <a:t>Since</a:t>
-            </a:r>
-            <a:r>
-              <a:rPr lang="en-US" dirty="0" smtClean="0"/>
-              <a:t>			</a:t>
-            </a:r>
-            <a:r>
-              <a:rPr lang="en-US" dirty="0" smtClean="0"/>
-              <a:t>            </a:t>
+              <a:t>Since			            </a:t>
             </a:r>
           </a:p>
           <a:p>
@@ -26888,7 +26859,7 @@
           <a:graphicData uri="http://schemas.openxmlformats.org/presentationml/2006/ole">
             <mc:AlternateContent xmlns:mc="http://schemas.openxmlformats.org/markup-compatibility/2006">
               <mc:Choice xmlns:v="urn:schemas-microsoft-com:vml" Requires="v">
-                <p:oleObj spid="_x0000_s688299" name="Equation" r:id="rId4" imgW="850900" imgH="444500" progId="Equation.3">
+                <p:oleObj spid="_x0000_s688304" name="Equation" r:id="rId4" imgW="850900" imgH="444500" progId="Equation.3">
                   <p:embed/>
                 </p:oleObj>
               </mc:Choice>
@@ -26950,7 +26921,7 @@
           <a:graphicData uri="http://schemas.openxmlformats.org/presentationml/2006/ole">
             <mc:AlternateContent xmlns:mc="http://schemas.openxmlformats.org/markup-compatibility/2006">
               <mc:Choice xmlns:v="urn:schemas-microsoft-com:vml" Requires="v">
-                <p:oleObj spid="_x0000_s688300" name="Equation" r:id="rId6" imgW="1051200" imgH="429480" progId="Equation.3">
+                <p:oleObj spid="_x0000_s688305" name="Equation" r:id="rId6" imgW="1051200" imgH="429480" progId="Equation.3">
                   <p:embed/>
                 </p:oleObj>
               </mc:Choice>
@@ -27240,7 +27211,7 @@
           <a:p>
             <a:fld id="{7053BEFA-1175-F644-B249-7D41D72BD3FF}" type="datetime1">
               <a:rPr lang="en-US" smtClean="0"/>
-              <a:t>3/24/14</a:t>
+              <a:t>3/25/14</a:t>
             </a:fld>
             <a:endParaRPr lang="en-US"/>
           </a:p>
@@ -27430,7 +27401,7 @@
           <a:p>
             <a:fld id="{7053BEFA-1175-F644-B249-7D41D72BD3FF}" type="datetime1">
               <a:rPr lang="en-US" smtClean="0"/>
-              <a:t>3/23/14</a:t>
+              <a:t>3/25/14</a:t>
             </a:fld>
             <a:endParaRPr lang="en-US"/>
           </a:p>
@@ -27500,7 +27471,7 @@
           <a:graphicData uri="http://schemas.openxmlformats.org/presentationml/2006/ole">
             <mc:AlternateContent xmlns:mc="http://schemas.openxmlformats.org/markup-compatibility/2006">
               <mc:Choice xmlns:v="urn:schemas-microsoft-com:vml" Requires="v">
-                <p:oleObj spid="_x0000_s689235" name="Equation" r:id="rId3" imgW="1993900" imgH="457200" progId="Equation.3">
+                <p:oleObj spid="_x0000_s689238" name="Equation" r:id="rId3" imgW="1993900" imgH="457200" progId="Equation.3">
                   <p:embed/>
                 </p:oleObj>
               </mc:Choice>
@@ -27677,7 +27648,7 @@
           <a:p>
             <a:fld id="{7053BEFA-1175-F644-B249-7D41D72BD3FF}" type="datetime1">
               <a:rPr lang="en-US" smtClean="0"/>
-              <a:t>3/23/14</a:t>
+              <a:t>3/25/14</a:t>
             </a:fld>
             <a:endParaRPr lang="en-US"/>
           </a:p>
@@ -29208,7 +29179,7 @@
           <a:p>
             <a:fld id="{7053BEFA-1175-F644-B249-7D41D72BD3FF}" type="datetime1">
               <a:rPr lang="en-US" smtClean="0"/>
-              <a:t>3/23/14</a:t>
+              <a:t>3/25/14</a:t>
             </a:fld>
             <a:endParaRPr lang="en-US"/>
           </a:p>
@@ -29385,7 +29356,7 @@
           <a:p>
             <a:fld id="{7053BEFA-1175-F644-B249-7D41D72BD3FF}" type="datetime1">
               <a:rPr lang="en-US" smtClean="0"/>
-              <a:t>3/23/14</a:t>
+              <a:t>3/25/14</a:t>
             </a:fld>
             <a:endParaRPr lang="en-US"/>
           </a:p>
@@ -29630,7 +29601,7 @@
           <a:p>
             <a:fld id="{7053BEFA-1175-F644-B249-7D41D72BD3FF}" type="datetime1">
               <a:rPr lang="en-US" smtClean="0"/>
-              <a:t>3/23/14</a:t>
+              <a:t>3/25/14</a:t>
             </a:fld>
             <a:endParaRPr lang="en-US"/>
           </a:p>
@@ -30042,7 +30013,7 @@
           <a:p>
             <a:fld id="{7053BEFA-1175-F644-B249-7D41D72BD3FF}" type="datetime1">
               <a:rPr lang="en-US" smtClean="0"/>
-              <a:t>3/23/14</a:t>
+              <a:t>3/25/14</a:t>
             </a:fld>
             <a:endParaRPr lang="en-US"/>
           </a:p>
@@ -30478,7 +30449,7 @@
           <a:p>
             <a:fld id="{7053BEFA-1175-F644-B249-7D41D72BD3FF}" type="datetime1">
               <a:rPr lang="en-US" smtClean="0"/>
-              <a:t>3/23/14</a:t>
+              <a:t>3/25/14</a:t>
             </a:fld>
             <a:endParaRPr lang="en-US"/>
           </a:p>
@@ -30708,7 +30679,7 @@
           <a:p>
             <a:fld id="{7053BEFA-1175-F644-B249-7D41D72BD3FF}" type="datetime1">
               <a:rPr lang="en-US" smtClean="0"/>
-              <a:t>3/23/14</a:t>
+              <a:t>3/25/14</a:t>
             </a:fld>
             <a:endParaRPr lang="en-US"/>
           </a:p>
@@ -30927,7 +30898,7 @@
           <a:p>
             <a:fld id="{7053BEFA-1175-F644-B249-7D41D72BD3FF}" type="datetime1">
               <a:rPr lang="en-US" smtClean="0"/>
-              <a:t>3/23/14</a:t>
+              <a:t>3/25/14</a:t>
             </a:fld>
             <a:endParaRPr lang="en-US"/>
           </a:p>
@@ -31172,7 +31143,7 @@
           <a:p>
             <a:fld id="{7053BEFA-1175-F644-B249-7D41D72BD3FF}" type="datetime1">
               <a:rPr lang="en-US" smtClean="0"/>
-              <a:t>3/23/14</a:t>
+              <a:t>3/25/14</a:t>
             </a:fld>
             <a:endParaRPr lang="en-US"/>
           </a:p>
@@ -31380,7 +31351,7 @@
           <a:p>
             <a:fld id="{7053BEFA-1175-F644-B249-7D41D72BD3FF}" type="datetime1">
               <a:rPr lang="en-US" smtClean="0"/>
-              <a:t>3/23/14</a:t>
+              <a:t>3/25/14</a:t>
             </a:fld>
             <a:endParaRPr lang="en-US"/>
           </a:p>
@@ -31593,7 +31564,7 @@
           <a:p>
             <a:fld id="{7053BEFA-1175-F644-B249-7D41D72BD3FF}" type="datetime1">
               <a:rPr lang="en-US" smtClean="0"/>
-              <a:t>3/23/14</a:t>
+              <a:t>3/25/14</a:t>
             </a:fld>
             <a:endParaRPr lang="en-US"/>
           </a:p>
@@ -31838,7 +31809,7 @@
           <a:p>
             <a:fld id="{7053BEFA-1175-F644-B249-7D41D72BD3FF}" type="datetime1">
               <a:rPr lang="en-US" smtClean="0"/>
-              <a:t>3/22/14</a:t>
+              <a:t>3/25/14</a:t>
             </a:fld>
             <a:endParaRPr lang="en-US"/>
           </a:p>
